--- a/Dive into Deep Learning/3. Linear Regression Implementation from Scratch-EN.pptx
+++ b/Dive into Deep Learning/3. Linear Regression Implementation from Scratch-EN.pptx
@@ -5,7 +5,7 @@
     <p:sldMasterId id="2147483648" r:id="rId1"/>
   </p:sldMasterIdLst>
   <p:notesMasterIdLst>
-    <p:notesMasterId r:id="rId19"/>
+    <p:notesMasterId r:id="rId18"/>
   </p:notesMasterIdLst>
   <p:sldIdLst>
     <p:sldId id="265" r:id="rId2"/>
@@ -22,9 +22,8 @@
     <p:sldId id="336" r:id="rId13"/>
     <p:sldId id="337" r:id="rId14"/>
     <p:sldId id="338" r:id="rId15"/>
-    <p:sldId id="339" r:id="rId16"/>
-    <p:sldId id="285" r:id="rId17"/>
-    <p:sldId id="286" r:id="rId18"/>
+    <p:sldId id="285" r:id="rId16"/>
+    <p:sldId id="286" r:id="rId17"/>
   </p:sldIdLst>
   <p:sldSz cx="12192000" cy="6858000"/>
   <p:notesSz cx="6858000" cy="9144000"/>
@@ -213,7 +212,7 @@
           <a:p>
             <a:fld id="{0D3578DB-0091-4EF0-9620-E708B7FBB15F}" type="datetimeFigureOut">
               <a:rPr lang="en-US" smtClean="0"/>
-              <a:t>9/27/2019</a:t>
+              <a:t>10/3/2019</a:t>
             </a:fld>
             <a:endParaRPr lang="en-US"/>
           </a:p>
@@ -1242,7 +1241,7 @@
   <p:cSld>
     <p:spTree>
       <p:nvGrpSpPr>
-        <p:cNvPr id="1" name="Shape 173"/>
+        <p:cNvPr id="1" name="Shape 5403"/>
         <p:cNvGrpSpPr/>
         <p:nvPr/>
       </p:nvGrpSpPr>
@@ -1256,7 +1255,7 @@
       </p:grpSpPr>
       <p:sp>
         <p:nvSpPr>
-          <p:cNvPr id="174" name="Google Shape;174;p4:notes"/>
+          <p:cNvPr id="5404" name="Google Shape;5404;p31:notes"/>
           <p:cNvSpPr>
             <a:spLocks noGrp="1" noRot="1" noChangeAspect="1"/>
           </p:cNvSpPr>
@@ -1307,7 +1306,7 @@
       </p:sp>
       <p:sp>
         <p:nvSpPr>
-          <p:cNvPr id="175" name="Google Shape;175;p4:notes"/>
+          <p:cNvPr id="5405" name="Google Shape;5405;p31:notes"/>
           <p:cNvSpPr txBox="1">
             <a:spLocks noGrp="1"/>
           </p:cNvSpPr>
@@ -1352,11 +1351,6 @@
         </p:txBody>
       </p:sp>
     </p:spTree>
-    <p:extLst>
-      <p:ext uri="{BB962C8B-B14F-4D97-AF65-F5344CB8AC3E}">
-        <p14:creationId xmlns:p14="http://schemas.microsoft.com/office/powerpoint/2010/main" val="2704563240"/>
-      </p:ext>
-    </p:extLst>
   </p:cSld>
   <p:clrMapOvr>
     <a:masterClrMapping/>
@@ -1369,7 +1363,7 @@
   <p:cSld>
     <p:spTree>
       <p:nvGrpSpPr>
-        <p:cNvPr id="1" name="Shape 5403"/>
+        <p:cNvPr id="1" name="Shape 5409"/>
         <p:cNvGrpSpPr/>
         <p:nvPr/>
       </p:nvGrpSpPr>
@@ -1383,7 +1377,7 @@
       </p:grpSpPr>
       <p:sp>
         <p:nvSpPr>
-          <p:cNvPr id="5404" name="Google Shape;5404;p31:notes"/>
+          <p:cNvPr id="5410" name="Google Shape;5410;p30:notes"/>
           <p:cNvSpPr>
             <a:spLocks noGrp="1" noRot="1" noChangeAspect="1"/>
           </p:cNvSpPr>
@@ -1434,7 +1428,7 @@
       </p:sp>
       <p:sp>
         <p:nvSpPr>
-          <p:cNvPr id="5405" name="Google Shape;5405;p31:notes"/>
+          <p:cNvPr id="5411" name="Google Shape;5411;p30:notes"/>
           <p:cNvSpPr txBox="1">
             <a:spLocks noGrp="1"/>
           </p:cNvSpPr>
@@ -1486,12 +1480,12 @@
 </p:notes>
 </file>
 
-<file path=ppt/notesSlides/notesSlide17.xml><?xml version="1.0" encoding="utf-8"?>
+<file path=ppt/notesSlides/notesSlide2.xml><?xml version="1.0" encoding="utf-8"?>
 <p:notes xmlns:a="http://schemas.openxmlformats.org/drawingml/2006/main" xmlns:r="http://schemas.openxmlformats.org/officeDocument/2006/relationships" xmlns:p="http://schemas.openxmlformats.org/presentationml/2006/main" showMasterSp="0" showMasterPhAnim="0">
   <p:cSld>
     <p:spTree>
       <p:nvGrpSpPr>
-        <p:cNvPr id="1" name="Shape 5409"/>
+        <p:cNvPr id="1" name="Shape 173"/>
         <p:cNvGrpSpPr/>
         <p:nvPr/>
       </p:nvGrpSpPr>
@@ -1505,7 +1499,7 @@
       </p:grpSpPr>
       <p:sp>
         <p:nvSpPr>
-          <p:cNvPr id="5410" name="Google Shape;5410;p30:notes"/>
+          <p:cNvPr id="174" name="Google Shape;174;p4:notes"/>
           <p:cNvSpPr>
             <a:spLocks noGrp="1" noRot="1" noChangeAspect="1"/>
           </p:cNvSpPr>
@@ -1556,7 +1550,7 @@
       </p:sp>
       <p:sp>
         <p:nvSpPr>
-          <p:cNvPr id="5411" name="Google Shape;5411;p30:notes"/>
+          <p:cNvPr id="175" name="Google Shape;175;p4:notes"/>
           <p:cNvSpPr txBox="1">
             <a:spLocks noGrp="1"/>
           </p:cNvSpPr>
@@ -1601,6 +1595,11 @@
         </p:txBody>
       </p:sp>
     </p:spTree>
+    <p:extLst>
+      <p:ext uri="{BB962C8B-B14F-4D97-AF65-F5344CB8AC3E}">
+        <p14:creationId xmlns:p14="http://schemas.microsoft.com/office/powerpoint/2010/main" val="3176422395"/>
+      </p:ext>
+    </p:extLst>
   </p:cSld>
   <p:clrMapOvr>
     <a:masterClrMapping/>
@@ -1608,7 +1607,7 @@
 </p:notes>
 </file>
 
-<file path=ppt/notesSlides/notesSlide2.xml><?xml version="1.0" encoding="utf-8"?>
+<file path=ppt/notesSlides/notesSlide3.xml><?xml version="1.0" encoding="utf-8"?>
 <p:notes xmlns:a="http://schemas.openxmlformats.org/drawingml/2006/main" xmlns:r="http://schemas.openxmlformats.org/officeDocument/2006/relationships" xmlns:p="http://schemas.openxmlformats.org/presentationml/2006/main" showMasterSp="0" showMasterPhAnim="0">
   <p:cSld>
     <p:spTree>
@@ -1725,7 +1724,7 @@
     </p:spTree>
     <p:extLst>
       <p:ext uri="{BB962C8B-B14F-4D97-AF65-F5344CB8AC3E}">
-        <p14:creationId xmlns:p14="http://schemas.microsoft.com/office/powerpoint/2010/main" val="3176422395"/>
+        <p14:creationId xmlns:p14="http://schemas.microsoft.com/office/powerpoint/2010/main" val="853556014"/>
       </p:ext>
     </p:extLst>
   </p:cSld>
@@ -1735,12 +1734,12 @@
 </p:notes>
 </file>
 
-<file path=ppt/notesSlides/notesSlide3.xml><?xml version="1.0" encoding="utf-8"?>
+<file path=ppt/notesSlides/notesSlide4.xml><?xml version="1.0" encoding="utf-8"?>
 <p:notes xmlns:a="http://schemas.openxmlformats.org/drawingml/2006/main" xmlns:r="http://schemas.openxmlformats.org/officeDocument/2006/relationships" xmlns:p="http://schemas.openxmlformats.org/presentationml/2006/main" showMasterSp="0" showMasterPhAnim="0">
   <p:cSld>
     <p:spTree>
       <p:nvGrpSpPr>
-        <p:cNvPr id="1" name="Shape 173"/>
+        <p:cNvPr id="1" name="Shape 166"/>
         <p:cNvGrpSpPr/>
         <p:nvPr/>
       </p:nvGrpSpPr>
@@ -1754,7 +1753,7 @@
       </p:grpSpPr>
       <p:sp>
         <p:nvSpPr>
-          <p:cNvPr id="174" name="Google Shape;174;p4:notes"/>
+          <p:cNvPr id="167" name="Google Shape;167;p3:notes"/>
           <p:cNvSpPr>
             <a:spLocks noGrp="1" noRot="1" noChangeAspect="1"/>
           </p:cNvSpPr>
@@ -1805,7 +1804,7 @@
       </p:sp>
       <p:sp>
         <p:nvSpPr>
-          <p:cNvPr id="175" name="Google Shape;175;p4:notes"/>
+          <p:cNvPr id="168" name="Google Shape;168;p3:notes"/>
           <p:cNvSpPr txBox="1">
             <a:spLocks noGrp="1"/>
           </p:cNvSpPr>
@@ -1850,11 +1849,6 @@
         </p:txBody>
       </p:sp>
     </p:spTree>
-    <p:extLst>
-      <p:ext uri="{BB962C8B-B14F-4D97-AF65-F5344CB8AC3E}">
-        <p14:creationId xmlns:p14="http://schemas.microsoft.com/office/powerpoint/2010/main" val="853556014"/>
-      </p:ext>
-    </p:extLst>
   </p:cSld>
   <p:clrMapOvr>
     <a:masterClrMapping/>
@@ -1862,12 +1856,12 @@
 </p:notes>
 </file>
 
-<file path=ppt/notesSlides/notesSlide4.xml><?xml version="1.0" encoding="utf-8"?>
+<file path=ppt/notesSlides/notesSlide5.xml><?xml version="1.0" encoding="utf-8"?>
 <p:notes xmlns:a="http://schemas.openxmlformats.org/drawingml/2006/main" xmlns:r="http://schemas.openxmlformats.org/officeDocument/2006/relationships" xmlns:p="http://schemas.openxmlformats.org/presentationml/2006/main" showMasterSp="0" showMasterPhAnim="0">
   <p:cSld>
     <p:spTree>
       <p:nvGrpSpPr>
-        <p:cNvPr id="1" name="Shape 166"/>
+        <p:cNvPr id="1" name="Shape 173"/>
         <p:cNvGrpSpPr/>
         <p:nvPr/>
       </p:nvGrpSpPr>
@@ -1881,7 +1875,7 @@
       </p:grpSpPr>
       <p:sp>
         <p:nvSpPr>
-          <p:cNvPr id="167" name="Google Shape;167;p3:notes"/>
+          <p:cNvPr id="174" name="Google Shape;174;p4:notes"/>
           <p:cNvSpPr>
             <a:spLocks noGrp="1" noRot="1" noChangeAspect="1"/>
           </p:cNvSpPr>
@@ -1932,7 +1926,7 @@
       </p:sp>
       <p:sp>
         <p:nvSpPr>
-          <p:cNvPr id="168" name="Google Shape;168;p3:notes"/>
+          <p:cNvPr id="175" name="Google Shape;175;p4:notes"/>
           <p:cNvSpPr txBox="1">
             <a:spLocks noGrp="1"/>
           </p:cNvSpPr>
@@ -1977,6 +1971,11 @@
         </p:txBody>
       </p:sp>
     </p:spTree>
+    <p:extLst>
+      <p:ext uri="{BB962C8B-B14F-4D97-AF65-F5344CB8AC3E}">
+        <p14:creationId xmlns:p14="http://schemas.microsoft.com/office/powerpoint/2010/main" val="4147871849"/>
+      </p:ext>
+    </p:extLst>
   </p:cSld>
   <p:clrMapOvr>
     <a:masterClrMapping/>
@@ -1984,7 +1983,7 @@
 </p:notes>
 </file>
 
-<file path=ppt/notesSlides/notesSlide5.xml><?xml version="1.0" encoding="utf-8"?>
+<file path=ppt/notesSlides/notesSlide6.xml><?xml version="1.0" encoding="utf-8"?>
 <p:notes xmlns:a="http://schemas.openxmlformats.org/drawingml/2006/main" xmlns:r="http://schemas.openxmlformats.org/officeDocument/2006/relationships" xmlns:p="http://schemas.openxmlformats.org/presentationml/2006/main" showMasterSp="0" showMasterPhAnim="0">
   <p:cSld>
     <p:spTree>
@@ -2101,7 +2100,7 @@
     </p:spTree>
     <p:extLst>
       <p:ext uri="{BB962C8B-B14F-4D97-AF65-F5344CB8AC3E}">
-        <p14:creationId xmlns:p14="http://schemas.microsoft.com/office/powerpoint/2010/main" val="4147871849"/>
+        <p14:creationId xmlns:p14="http://schemas.microsoft.com/office/powerpoint/2010/main" val="3838413775"/>
       </p:ext>
     </p:extLst>
   </p:cSld>
@@ -2111,7 +2110,7 @@
 </p:notes>
 </file>
 
-<file path=ppt/notesSlides/notesSlide6.xml><?xml version="1.0" encoding="utf-8"?>
+<file path=ppt/notesSlides/notesSlide7.xml><?xml version="1.0" encoding="utf-8"?>
 <p:notes xmlns:a="http://schemas.openxmlformats.org/drawingml/2006/main" xmlns:r="http://schemas.openxmlformats.org/officeDocument/2006/relationships" xmlns:p="http://schemas.openxmlformats.org/presentationml/2006/main" showMasterSp="0" showMasterPhAnim="0">
   <p:cSld>
     <p:spTree>
@@ -2228,7 +2227,7 @@
     </p:spTree>
     <p:extLst>
       <p:ext uri="{BB962C8B-B14F-4D97-AF65-F5344CB8AC3E}">
-        <p14:creationId xmlns:p14="http://schemas.microsoft.com/office/powerpoint/2010/main" val="3838413775"/>
+        <p14:creationId xmlns:p14="http://schemas.microsoft.com/office/powerpoint/2010/main" val="2811060025"/>
       </p:ext>
     </p:extLst>
   </p:cSld>
@@ -2238,7 +2237,7 @@
 </p:notes>
 </file>
 
-<file path=ppt/notesSlides/notesSlide7.xml><?xml version="1.0" encoding="utf-8"?>
+<file path=ppt/notesSlides/notesSlide8.xml><?xml version="1.0" encoding="utf-8"?>
 <p:notes xmlns:a="http://schemas.openxmlformats.org/drawingml/2006/main" xmlns:r="http://schemas.openxmlformats.org/officeDocument/2006/relationships" xmlns:p="http://schemas.openxmlformats.org/presentationml/2006/main" showMasterSp="0" showMasterPhAnim="0">
   <p:cSld>
     <p:spTree>
@@ -2355,7 +2354,7 @@
     </p:spTree>
     <p:extLst>
       <p:ext uri="{BB962C8B-B14F-4D97-AF65-F5344CB8AC3E}">
-        <p14:creationId xmlns:p14="http://schemas.microsoft.com/office/powerpoint/2010/main" val="2811060025"/>
+        <p14:creationId xmlns:p14="http://schemas.microsoft.com/office/powerpoint/2010/main" val="3750858043"/>
       </p:ext>
     </p:extLst>
   </p:cSld>
@@ -2365,7 +2364,7 @@
 </p:notes>
 </file>
 
-<file path=ppt/notesSlides/notesSlide8.xml><?xml version="1.0" encoding="utf-8"?>
+<file path=ppt/notesSlides/notesSlide9.xml><?xml version="1.0" encoding="utf-8"?>
 <p:notes xmlns:a="http://schemas.openxmlformats.org/drawingml/2006/main" xmlns:r="http://schemas.openxmlformats.org/officeDocument/2006/relationships" xmlns:p="http://schemas.openxmlformats.org/presentationml/2006/main" showMasterSp="0" showMasterPhAnim="0">
   <p:cSld>
     <p:spTree>
@@ -2482,133 +2481,6 @@
     </p:spTree>
     <p:extLst>
       <p:ext uri="{BB962C8B-B14F-4D97-AF65-F5344CB8AC3E}">
-        <p14:creationId xmlns:p14="http://schemas.microsoft.com/office/powerpoint/2010/main" val="3750858043"/>
-      </p:ext>
-    </p:extLst>
-  </p:cSld>
-  <p:clrMapOvr>
-    <a:masterClrMapping/>
-  </p:clrMapOvr>
-</p:notes>
-</file>
-
-<file path=ppt/notesSlides/notesSlide9.xml><?xml version="1.0" encoding="utf-8"?>
-<p:notes xmlns:a="http://schemas.openxmlformats.org/drawingml/2006/main" xmlns:r="http://schemas.openxmlformats.org/officeDocument/2006/relationships" xmlns:p="http://schemas.openxmlformats.org/presentationml/2006/main" showMasterSp="0" showMasterPhAnim="0">
-  <p:cSld>
-    <p:spTree>
-      <p:nvGrpSpPr>
-        <p:cNvPr id="1" name="Shape 173"/>
-        <p:cNvGrpSpPr/>
-        <p:nvPr/>
-      </p:nvGrpSpPr>
-      <p:grpSpPr>
-        <a:xfrm>
-          <a:off x="0" y="0"/>
-          <a:ext cx="0" cy="0"/>
-          <a:chOff x="0" y="0"/>
-          <a:chExt cx="0" cy="0"/>
-        </a:xfrm>
-      </p:grpSpPr>
-      <p:sp>
-        <p:nvSpPr>
-          <p:cNvPr id="174" name="Google Shape;174;p4:notes"/>
-          <p:cNvSpPr>
-            <a:spLocks noGrp="1" noRot="1" noChangeAspect="1"/>
-          </p:cNvSpPr>
-          <p:nvPr>
-            <p:ph type="sldImg" idx="2"/>
-          </p:nvPr>
-        </p:nvSpPr>
-        <p:spPr>
-          <a:xfrm>
-            <a:off x="381000" y="685800"/>
-            <a:ext cx="6096000" cy="3429000"/>
-          </a:xfrm>
-          <a:custGeom>
-            <a:avLst/>
-            <a:gdLst/>
-            <a:ahLst/>
-            <a:cxnLst/>
-            <a:rect l="l" t="t" r="r" b="b"/>
-            <a:pathLst>
-              <a:path w="120000" h="120000" extrusionOk="0">
-                <a:moveTo>
-                  <a:pt x="0" y="0"/>
-                </a:moveTo>
-                <a:lnTo>
-                  <a:pt x="120000" y="0"/>
-                </a:lnTo>
-                <a:lnTo>
-                  <a:pt x="120000" y="120000"/>
-                </a:lnTo>
-                <a:lnTo>
-                  <a:pt x="0" y="120000"/>
-                </a:lnTo>
-                <a:close/>
-              </a:path>
-            </a:pathLst>
-          </a:custGeom>
-          <a:noFill/>
-          <a:ln w="9525" cap="flat" cmpd="sng">
-            <a:solidFill>
-              <a:srgbClr val="000000"/>
-            </a:solidFill>
-            <a:prstDash val="solid"/>
-            <a:round/>
-            <a:headEnd type="none" w="sm" len="sm"/>
-            <a:tailEnd type="none" w="sm" len="sm"/>
-          </a:ln>
-        </p:spPr>
-      </p:sp>
-      <p:sp>
-        <p:nvSpPr>
-          <p:cNvPr id="175" name="Google Shape;175;p4:notes"/>
-          <p:cNvSpPr txBox="1">
-            <a:spLocks noGrp="1"/>
-          </p:cNvSpPr>
-          <p:nvPr>
-            <p:ph type="body" idx="1"/>
-          </p:nvPr>
-        </p:nvSpPr>
-        <p:spPr>
-          <a:xfrm>
-            <a:off x="685800" y="4343400"/>
-            <a:ext cx="5486400" cy="4114800"/>
-          </a:xfrm>
-          <a:prstGeom prst="rect">
-            <a:avLst/>
-          </a:prstGeom>
-          <a:noFill/>
-          <a:ln>
-            <a:noFill/>
-          </a:ln>
-        </p:spPr>
-        <p:txBody>
-          <a:bodyPr spcFirstLastPara="1" wrap="square" lIns="91425" tIns="91425" rIns="91425" bIns="91425" anchor="t" anchorCtr="0">
-            <a:noAutofit/>
-          </a:bodyPr>
-          <a:lstStyle/>
-          <a:p>
-            <a:pPr marL="0" lvl="0" indent="0" algn="l" rtl="0">
-              <a:lnSpc>
-                <a:spcPct val="100000"/>
-              </a:lnSpc>
-              <a:spcBef>
-                <a:spcPts val="0"/>
-              </a:spcBef>
-              <a:spcAft>
-                <a:spcPts val="0"/>
-              </a:spcAft>
-              <a:buSzPts val="1100"/>
-              <a:buNone/>
-            </a:pPr>
-            <a:endParaRPr/>
-          </a:p>
-        </p:txBody>
-      </p:sp>
-    </p:spTree>
-    <p:extLst>
-      <p:ext uri="{BB962C8B-B14F-4D97-AF65-F5344CB8AC3E}">
         <p14:creationId xmlns:p14="http://schemas.microsoft.com/office/powerpoint/2010/main" val="3422402915"/>
       </p:ext>
     </p:extLst>
@@ -2766,7 +2638,7 @@
           <a:p>
             <a:fld id="{23EC023D-B61A-4551-8136-DCD5A45A20F2}" type="datetimeFigureOut">
               <a:rPr lang="en-US" smtClean="0"/>
-              <a:t>9/27/2019</a:t>
+              <a:t>10/3/2019</a:t>
             </a:fld>
             <a:endParaRPr lang="en-US"/>
           </a:p>
@@ -2964,7 +2836,7 @@
           <a:p>
             <a:fld id="{23EC023D-B61A-4551-8136-DCD5A45A20F2}" type="datetimeFigureOut">
               <a:rPr lang="en-US" smtClean="0"/>
-              <a:t>9/27/2019</a:t>
+              <a:t>10/3/2019</a:t>
             </a:fld>
             <a:endParaRPr lang="en-US"/>
           </a:p>
@@ -3172,7 +3044,7 @@
           <a:p>
             <a:fld id="{23EC023D-B61A-4551-8136-DCD5A45A20F2}" type="datetimeFigureOut">
               <a:rPr lang="en-US" smtClean="0"/>
-              <a:t>9/27/2019</a:t>
+              <a:t>10/3/2019</a:t>
             </a:fld>
             <a:endParaRPr lang="en-US"/>
           </a:p>
@@ -5756,7 +5628,7 @@
           <a:p>
             <a:fld id="{23EC023D-B61A-4551-8136-DCD5A45A20F2}" type="datetimeFigureOut">
               <a:rPr lang="en-US" smtClean="0"/>
-              <a:t>9/27/2019</a:t>
+              <a:t>10/3/2019</a:t>
             </a:fld>
             <a:endParaRPr lang="en-US"/>
           </a:p>
@@ -6031,7 +5903,7 @@
           <a:p>
             <a:fld id="{23EC023D-B61A-4551-8136-DCD5A45A20F2}" type="datetimeFigureOut">
               <a:rPr lang="en-US" smtClean="0"/>
-              <a:t>9/27/2019</a:t>
+              <a:t>10/3/2019</a:t>
             </a:fld>
             <a:endParaRPr lang="en-US"/>
           </a:p>
@@ -6296,7 +6168,7 @@
           <a:p>
             <a:fld id="{23EC023D-B61A-4551-8136-DCD5A45A20F2}" type="datetimeFigureOut">
               <a:rPr lang="en-US" smtClean="0"/>
-              <a:t>9/27/2019</a:t>
+              <a:t>10/3/2019</a:t>
             </a:fld>
             <a:endParaRPr lang="en-US"/>
           </a:p>
@@ -6708,7 +6580,7 @@
           <a:p>
             <a:fld id="{23EC023D-B61A-4551-8136-DCD5A45A20F2}" type="datetimeFigureOut">
               <a:rPr lang="en-US" smtClean="0"/>
-              <a:t>9/27/2019</a:t>
+              <a:t>10/3/2019</a:t>
             </a:fld>
             <a:endParaRPr lang="en-US"/>
           </a:p>
@@ -6849,7 +6721,7 @@
           <a:p>
             <a:fld id="{23EC023D-B61A-4551-8136-DCD5A45A20F2}" type="datetimeFigureOut">
               <a:rPr lang="en-US" smtClean="0"/>
-              <a:t>9/27/2019</a:t>
+              <a:t>10/3/2019</a:t>
             </a:fld>
             <a:endParaRPr lang="en-US"/>
           </a:p>
@@ -6962,7 +6834,7 @@
           <a:p>
             <a:fld id="{23EC023D-B61A-4551-8136-DCD5A45A20F2}" type="datetimeFigureOut">
               <a:rPr lang="en-US" smtClean="0"/>
-              <a:t>9/27/2019</a:t>
+              <a:t>10/3/2019</a:t>
             </a:fld>
             <a:endParaRPr lang="en-US"/>
           </a:p>
@@ -7273,7 +7145,7 @@
           <a:p>
             <a:fld id="{23EC023D-B61A-4551-8136-DCD5A45A20F2}" type="datetimeFigureOut">
               <a:rPr lang="en-US" smtClean="0"/>
-              <a:t>9/27/2019</a:t>
+              <a:t>10/3/2019</a:t>
             </a:fld>
             <a:endParaRPr lang="en-US"/>
           </a:p>
@@ -7561,7 +7433,7 @@
           <a:p>
             <a:fld id="{23EC023D-B61A-4551-8136-DCD5A45A20F2}" type="datetimeFigureOut">
               <a:rPr lang="en-US" smtClean="0"/>
-              <a:t>9/27/2019</a:t>
+              <a:t>10/3/2019</a:t>
             </a:fld>
             <a:endParaRPr lang="en-US"/>
           </a:p>
@@ -7802,7 +7674,7 @@
           <a:p>
             <a:fld id="{23EC023D-B61A-4551-8136-DCD5A45A20F2}" type="datetimeFigureOut">
               <a:rPr lang="en-US" smtClean="0"/>
-              <a:t>9/27/2019</a:t>
+              <a:t>10/3/2019</a:t>
             </a:fld>
             <a:endParaRPr lang="en-US"/>
           </a:p>
@@ -9128,151 +9000,6 @@
   <p:cSld>
     <p:spTree>
       <p:nvGrpSpPr>
-        <p:cNvPr id="1" name="Shape 176"/>
-        <p:cNvGrpSpPr/>
-        <p:nvPr/>
-      </p:nvGrpSpPr>
-      <p:grpSpPr>
-        <a:xfrm>
-          <a:off x="0" y="0"/>
-          <a:ext cx="0" cy="0"/>
-          <a:chOff x="0" y="0"/>
-          <a:chExt cx="0" cy="0"/>
-        </a:xfrm>
-      </p:grpSpPr>
-      <p:sp>
-        <p:nvSpPr>
-          <p:cNvPr id="177" name="Google Shape;177;p33"/>
-          <p:cNvSpPr txBox="1">
-            <a:spLocks noGrp="1"/>
-          </p:cNvSpPr>
-          <p:nvPr>
-            <p:ph type="title"/>
-          </p:nvPr>
-        </p:nvSpPr>
-        <p:spPr>
-          <a:xfrm>
-            <a:off x="490233" y="550900"/>
-            <a:ext cx="11604800" cy="763600"/>
-          </a:xfrm>
-          <a:prstGeom prst="rect">
-            <a:avLst/>
-          </a:prstGeom>
-          <a:noFill/>
-          <a:ln>
-            <a:noFill/>
-          </a:ln>
-        </p:spPr>
-        <p:txBody>
-          <a:bodyPr spcFirstLastPara="1" vert="horz" wrap="square" lIns="121900" tIns="121900" rIns="121900" bIns="121900" rtlCol="0" anchor="t" anchorCtr="0">
-            <a:noAutofit/>
-          </a:bodyPr>
-          <a:lstStyle/>
-          <a:p>
-            <a:pPr>
-              <a:buClr>
-                <a:schemeClr val="dk1"/>
-              </a:buClr>
-              <a:buSzPts val="1100"/>
-            </a:pPr>
-            <a:r>
-              <a:rPr lang="es" dirty="0"/>
-              <a:t>Training</a:t>
-            </a:r>
-            <a:endParaRPr dirty="0"/>
-          </a:p>
-        </p:txBody>
-      </p:sp>
-      <p:sp>
-        <p:nvSpPr>
-          <p:cNvPr id="178" name="Google Shape;178;p33"/>
-          <p:cNvSpPr txBox="1">
-            <a:spLocks noGrp="1"/>
-          </p:cNvSpPr>
-          <p:nvPr>
-            <p:ph type="title" idx="2"/>
-          </p:nvPr>
-        </p:nvSpPr>
-        <p:spPr>
-          <a:xfrm>
-            <a:off x="490232" y="1212899"/>
-            <a:ext cx="11015227" cy="5205655"/>
-          </a:xfrm>
-          <a:prstGeom prst="rect">
-            <a:avLst/>
-          </a:prstGeom>
-          <a:noFill/>
-          <a:ln>
-            <a:noFill/>
-          </a:ln>
-        </p:spPr>
-        <p:txBody>
-          <a:bodyPr spcFirstLastPara="1" vert="horz" wrap="square" lIns="121900" tIns="121900" rIns="121900" bIns="121900" rtlCol="0" anchor="t" anchorCtr="0">
-            <a:noAutofit/>
-          </a:bodyPr>
-          <a:lstStyle/>
-          <a:p>
-            <a:endParaRPr dirty="0">
-              <a:solidFill>
-                <a:srgbClr val="858585"/>
-              </a:solidFill>
-            </a:endParaRPr>
-          </a:p>
-        </p:txBody>
-      </p:sp>
-      <p:pic>
-        <p:nvPicPr>
-          <p:cNvPr id="4" name="Picture 3">
-            <a:extLst>
-              <a:ext uri="{FF2B5EF4-FFF2-40B4-BE49-F238E27FC236}">
-                <a16:creationId xmlns:a16="http://schemas.microsoft.com/office/drawing/2014/main" id="{5A116C0C-639E-4722-B95B-5B7BB1008DA3}"/>
-              </a:ext>
-            </a:extLst>
-          </p:cNvPr>
-          <p:cNvPicPr>
-            <a:picLocks noChangeAspect="1"/>
-          </p:cNvPicPr>
-          <p:nvPr/>
-        </p:nvPicPr>
-        <p:blipFill rotWithShape="1">
-          <a:blip r:embed="rId3">
-            <a:extLst>
-              <a:ext uri="{28A0092B-C50C-407E-A947-70E740481C1C}">
-                <a14:useLocalDpi xmlns:a14="http://schemas.microsoft.com/office/drawing/2010/main" val="0"/>
-              </a:ext>
-            </a:extLst>
-          </a:blip>
-          <a:srcRect l="7115" t="9450" r="6769" b="9385"/>
-          <a:stretch/>
-        </p:blipFill>
-        <p:spPr>
-          <a:xfrm>
-            <a:off x="3480046" y="932700"/>
-            <a:ext cx="8087557" cy="5566299"/>
-          </a:xfrm>
-          <a:prstGeom prst="rect">
-            <a:avLst/>
-          </a:prstGeom>
-        </p:spPr>
-      </p:pic>
-    </p:spTree>
-    <p:extLst>
-      <p:ext uri="{BB962C8B-B14F-4D97-AF65-F5344CB8AC3E}">
-        <p14:creationId xmlns:p14="http://schemas.microsoft.com/office/powerpoint/2010/main" val="29340068"/>
-      </p:ext>
-    </p:extLst>
-  </p:cSld>
-  <p:clrMapOvr>
-    <a:masterClrMapping/>
-  </p:clrMapOvr>
-</p:sld>
-</file>
-
-<file path=ppt/slides/slide16.xml><?xml version="1.0" encoding="utf-8"?>
-<p:sld xmlns:a="http://schemas.openxmlformats.org/drawingml/2006/main" xmlns:r="http://schemas.openxmlformats.org/officeDocument/2006/relationships" xmlns:p="http://schemas.openxmlformats.org/presentationml/2006/main">
-  <p:cSld>
-    <p:spTree>
-      <p:nvGrpSpPr>
         <p:cNvPr id="1" name="Shape 5406"/>
         <p:cNvGrpSpPr/>
         <p:nvPr/>
@@ -9450,7 +9177,7 @@
 </p:sld>
 </file>
 
-<file path=ppt/slides/slide17.xml><?xml version="1.0" encoding="utf-8"?>
+<file path=ppt/slides/slide16.xml><?xml version="1.0" encoding="utf-8"?>
 <p:sld xmlns:a="http://schemas.openxmlformats.org/drawingml/2006/main" xmlns:r="http://schemas.openxmlformats.org/officeDocument/2006/relationships" xmlns:p="http://schemas.openxmlformats.org/presentationml/2006/main">
   <p:cSld>
     <p:spTree>
